--- a/AttendanceTracker/Html doküman yapısı.pptx
+++ b/AttendanceTracker/Html doküman yapısı.pptx
@@ -5,7 +5,7 @@
     <p:sldMasterId id="2147483648" r:id="rId1"/>
   </p:sldMasterIdLst>
   <p:notesMasterIdLst>
-    <p:notesMasterId r:id="rId12"/>
+    <p:notesMasterId r:id="rId14"/>
   </p:notesMasterIdLst>
   <p:sldIdLst>
     <p:sldId id="257" r:id="rId2"/>
@@ -18,6 +18,8 @@
     <p:sldId id="271" r:id="rId9"/>
     <p:sldId id="269" r:id="rId10"/>
     <p:sldId id="272" r:id="rId11"/>
+    <p:sldId id="273" r:id="rId12"/>
+    <p:sldId id="274" r:id="rId13"/>
   </p:sldIdLst>
   <p:sldSz cx="9144000" cy="6858000" type="screen4x3"/>
   <p:notesSz cx="6858000" cy="9144000"/>
@@ -201,7 +203,7 @@
           <a:p>
             <a:fld id="{22755D2D-59CF-4BBB-BD3B-BC44C21BF44E}" type="datetimeFigureOut">
               <a:rPr lang="tr-TR" smtClean="0"/>
-              <a:t>15.5.2015</a:t>
+              <a:t>22.5.2015</a:t>
             </a:fld>
             <a:endParaRPr lang="tr-TR"/>
           </a:p>
@@ -1036,11 +1038,7 @@
           <a:p>
             <a:r>
               <a:rPr lang="tr-TR" dirty="0" smtClean="0"/>
-              <a:t>http://</a:t>
-            </a:r>
-            <a:r>
-              <a:rPr lang="tr-TR" dirty="0" smtClean="0"/>
-              <a:t>www.tutorialspoint.com/javascript/javascript_html_dom.htm</a:t>
+              <a:t>http://www.tutorialspoint.com/javascript/javascript_html_dom.htm</a:t>
             </a:r>
           </a:p>
           <a:p>
@@ -1134,11 +1132,7 @@
           <a:p>
             <a:r>
               <a:rPr lang="tr-TR" dirty="0" smtClean="0"/>
-              <a:t>http://</a:t>
-            </a:r>
-            <a:r>
-              <a:rPr lang="tr-TR" dirty="0" smtClean="0"/>
-              <a:t>www.tutorialspoint.com/javascript/javascript_html_dom.htm</a:t>
+              <a:t>http://www.tutorialspoint.com/javascript/javascript_html_dom.htm</a:t>
             </a:r>
           </a:p>
           <a:p>
@@ -1232,11 +1226,7 @@
           <a:p>
             <a:r>
               <a:rPr lang="tr-TR" dirty="0" smtClean="0"/>
-              <a:t>http://</a:t>
-            </a:r>
-            <a:r>
-              <a:rPr lang="tr-TR" dirty="0" smtClean="0"/>
-              <a:t>www.tutorialspoint.com/javascript/javascript_html_dom.htm</a:t>
+              <a:t>http://www.tutorialspoint.com/javascript/javascript_html_dom.htm</a:t>
             </a:r>
           </a:p>
           <a:p>
@@ -1275,6 +1265,174 @@
     <p:extLst>
       <p:ext uri="{BB962C8B-B14F-4D97-AF65-F5344CB8AC3E}">
         <p14:creationId xmlns:p14="http://schemas.microsoft.com/office/powerpoint/2010/main" val="833137321"/>
+      </p:ext>
+    </p:extLst>
+  </p:cSld>
+  <p:clrMapOvr>
+    <a:masterClrMapping/>
+  </p:clrMapOvr>
+</p:notes>
+</file>
+
+<file path=ppt/notesSlides/notesSlide7.xml><?xml version="1.0" encoding="utf-8"?>
+<p:notes xmlns:a="http://schemas.openxmlformats.org/drawingml/2006/main" xmlns:r="http://schemas.openxmlformats.org/officeDocument/2006/relationships" xmlns:p="http://schemas.openxmlformats.org/presentationml/2006/main">
+  <p:cSld>
+    <p:spTree>
+      <p:nvGrpSpPr>
+        <p:cNvPr id="1" name=""/>
+        <p:cNvGrpSpPr/>
+        <p:nvPr/>
+      </p:nvGrpSpPr>
+      <p:grpSpPr>
+        <a:xfrm>
+          <a:off x="0" y="0"/>
+          <a:ext cx="0" cy="0"/>
+          <a:chOff x="0" y="0"/>
+          <a:chExt cx="0" cy="0"/>
+        </a:xfrm>
+      </p:grpSpPr>
+      <p:sp>
+        <p:nvSpPr>
+          <p:cNvPr id="2" name="Slayt Görüntüsü Yer Tutucusu 1"/>
+          <p:cNvSpPr>
+            <a:spLocks noGrp="1" noRot="1" noChangeAspect="1"/>
+          </p:cNvSpPr>
+          <p:nvPr>
+            <p:ph type="sldImg"/>
+          </p:nvPr>
+        </p:nvSpPr>
+        <p:spPr/>
+      </p:sp>
+      <p:sp>
+        <p:nvSpPr>
+          <p:cNvPr id="3" name="Not Yer Tutucusu 2"/>
+          <p:cNvSpPr>
+            <a:spLocks noGrp="1"/>
+          </p:cNvSpPr>
+          <p:nvPr>
+            <p:ph type="body" idx="1"/>
+          </p:nvPr>
+        </p:nvSpPr>
+        <p:spPr/>
+        <p:txBody>
+          <a:bodyPr/>
+          <a:lstStyle/>
+          <a:p>
+            <a:endParaRPr lang="tr-TR" dirty="0"/>
+          </a:p>
+        </p:txBody>
+      </p:sp>
+      <p:sp>
+        <p:nvSpPr>
+          <p:cNvPr id="4" name="Slayt Numarası Yer Tutucusu 3"/>
+          <p:cNvSpPr>
+            <a:spLocks noGrp="1"/>
+          </p:cNvSpPr>
+          <p:nvPr>
+            <p:ph type="sldNum" sz="quarter" idx="10"/>
+          </p:nvPr>
+        </p:nvSpPr>
+        <p:spPr/>
+        <p:txBody>
+          <a:bodyPr/>
+          <a:lstStyle/>
+          <a:p>
+            <a:fld id="{5DE05AF9-BE5B-4DB2-802A-F4F6F231D690}" type="slidenum">
+              <a:rPr lang="tr-TR" smtClean="0"/>
+              <a:t>11</a:t>
+            </a:fld>
+            <a:endParaRPr lang="tr-TR"/>
+          </a:p>
+        </p:txBody>
+      </p:sp>
+    </p:spTree>
+    <p:extLst>
+      <p:ext uri="{BB962C8B-B14F-4D97-AF65-F5344CB8AC3E}">
+        <p14:creationId xmlns:p14="http://schemas.microsoft.com/office/powerpoint/2010/main" val="2466390821"/>
+      </p:ext>
+    </p:extLst>
+  </p:cSld>
+  <p:clrMapOvr>
+    <a:masterClrMapping/>
+  </p:clrMapOvr>
+</p:notes>
+</file>
+
+<file path=ppt/notesSlides/notesSlide8.xml><?xml version="1.0" encoding="utf-8"?>
+<p:notes xmlns:a="http://schemas.openxmlformats.org/drawingml/2006/main" xmlns:r="http://schemas.openxmlformats.org/officeDocument/2006/relationships" xmlns:p="http://schemas.openxmlformats.org/presentationml/2006/main">
+  <p:cSld>
+    <p:spTree>
+      <p:nvGrpSpPr>
+        <p:cNvPr id="1" name=""/>
+        <p:cNvGrpSpPr/>
+        <p:nvPr/>
+      </p:nvGrpSpPr>
+      <p:grpSpPr>
+        <a:xfrm>
+          <a:off x="0" y="0"/>
+          <a:ext cx="0" cy="0"/>
+          <a:chOff x="0" y="0"/>
+          <a:chExt cx="0" cy="0"/>
+        </a:xfrm>
+      </p:grpSpPr>
+      <p:sp>
+        <p:nvSpPr>
+          <p:cNvPr id="2" name="Slayt Görüntüsü Yer Tutucusu 1"/>
+          <p:cNvSpPr>
+            <a:spLocks noGrp="1" noRot="1" noChangeAspect="1"/>
+          </p:cNvSpPr>
+          <p:nvPr>
+            <p:ph type="sldImg"/>
+          </p:nvPr>
+        </p:nvSpPr>
+        <p:spPr/>
+      </p:sp>
+      <p:sp>
+        <p:nvSpPr>
+          <p:cNvPr id="3" name="Not Yer Tutucusu 2"/>
+          <p:cNvSpPr>
+            <a:spLocks noGrp="1"/>
+          </p:cNvSpPr>
+          <p:nvPr>
+            <p:ph type="body" idx="1"/>
+          </p:nvPr>
+        </p:nvSpPr>
+        <p:spPr/>
+        <p:txBody>
+          <a:bodyPr/>
+          <a:lstStyle/>
+          <a:p>
+            <a:endParaRPr lang="tr-TR" dirty="0"/>
+          </a:p>
+        </p:txBody>
+      </p:sp>
+      <p:sp>
+        <p:nvSpPr>
+          <p:cNvPr id="4" name="Slayt Numarası Yer Tutucusu 3"/>
+          <p:cNvSpPr>
+            <a:spLocks noGrp="1"/>
+          </p:cNvSpPr>
+          <p:nvPr>
+            <p:ph type="sldNum" sz="quarter" idx="10"/>
+          </p:nvPr>
+        </p:nvSpPr>
+        <p:spPr/>
+        <p:txBody>
+          <a:bodyPr/>
+          <a:lstStyle/>
+          <a:p>
+            <a:fld id="{5DE05AF9-BE5B-4DB2-802A-F4F6F231D690}" type="slidenum">
+              <a:rPr lang="tr-TR" smtClean="0"/>
+              <a:t>12</a:t>
+            </a:fld>
+            <a:endParaRPr lang="tr-TR"/>
+          </a:p>
+        </p:txBody>
+      </p:sp>
+    </p:spTree>
+    <p:extLst>
+      <p:ext uri="{BB962C8B-B14F-4D97-AF65-F5344CB8AC3E}">
+        <p14:creationId xmlns:p14="http://schemas.microsoft.com/office/powerpoint/2010/main" val="2466390821"/>
       </p:ext>
     </p:extLst>
   </p:cSld>
@@ -1465,7 +1623,7 @@
           <a:p>
             <a:fld id="{8B42BDD8-1597-4FFD-A740-152FF39E48FC}" type="datetimeFigureOut">
               <a:rPr lang="tr-TR" smtClean="0"/>
-              <a:t>15.5.2015</a:t>
+              <a:t>22.5.2015</a:t>
             </a:fld>
             <a:endParaRPr lang="tr-TR"/>
           </a:p>
@@ -1635,7 +1793,7 @@
           <a:p>
             <a:fld id="{8B42BDD8-1597-4FFD-A740-152FF39E48FC}" type="datetimeFigureOut">
               <a:rPr lang="tr-TR" smtClean="0"/>
-              <a:t>15.5.2015</a:t>
+              <a:t>22.5.2015</a:t>
             </a:fld>
             <a:endParaRPr lang="tr-TR"/>
           </a:p>
@@ -1815,7 +1973,7 @@
           <a:p>
             <a:fld id="{8B42BDD8-1597-4FFD-A740-152FF39E48FC}" type="datetimeFigureOut">
               <a:rPr lang="tr-TR" smtClean="0"/>
-              <a:t>15.5.2015</a:t>
+              <a:t>22.5.2015</a:t>
             </a:fld>
             <a:endParaRPr lang="tr-TR"/>
           </a:p>
@@ -1985,7 +2143,7 @@
           <a:p>
             <a:fld id="{8B42BDD8-1597-4FFD-A740-152FF39E48FC}" type="datetimeFigureOut">
               <a:rPr lang="tr-TR" smtClean="0"/>
-              <a:t>15.5.2015</a:t>
+              <a:t>22.5.2015</a:t>
             </a:fld>
             <a:endParaRPr lang="tr-TR"/>
           </a:p>
@@ -2231,7 +2389,7 @@
           <a:p>
             <a:fld id="{8B42BDD8-1597-4FFD-A740-152FF39E48FC}" type="datetimeFigureOut">
               <a:rPr lang="tr-TR" smtClean="0"/>
-              <a:t>15.5.2015</a:t>
+              <a:t>22.5.2015</a:t>
             </a:fld>
             <a:endParaRPr lang="tr-TR"/>
           </a:p>
@@ -2519,7 +2677,7 @@
           <a:p>
             <a:fld id="{8B42BDD8-1597-4FFD-A740-152FF39E48FC}" type="datetimeFigureOut">
               <a:rPr lang="tr-TR" smtClean="0"/>
-              <a:t>15.5.2015</a:t>
+              <a:t>22.5.2015</a:t>
             </a:fld>
             <a:endParaRPr lang="tr-TR"/>
           </a:p>
@@ -2941,7 +3099,7 @@
           <a:p>
             <a:fld id="{8B42BDD8-1597-4FFD-A740-152FF39E48FC}" type="datetimeFigureOut">
               <a:rPr lang="tr-TR" smtClean="0"/>
-              <a:t>15.5.2015</a:t>
+              <a:t>22.5.2015</a:t>
             </a:fld>
             <a:endParaRPr lang="tr-TR"/>
           </a:p>
@@ -3059,7 +3217,7 @@
           <a:p>
             <a:fld id="{8B42BDD8-1597-4FFD-A740-152FF39E48FC}" type="datetimeFigureOut">
               <a:rPr lang="tr-TR" smtClean="0"/>
-              <a:t>15.5.2015</a:t>
+              <a:t>22.5.2015</a:t>
             </a:fld>
             <a:endParaRPr lang="tr-TR"/>
           </a:p>
@@ -3154,7 +3312,7 @@
           <a:p>
             <a:fld id="{8B42BDD8-1597-4FFD-A740-152FF39E48FC}" type="datetimeFigureOut">
               <a:rPr lang="tr-TR" smtClean="0"/>
-              <a:t>15.5.2015</a:t>
+              <a:t>22.5.2015</a:t>
             </a:fld>
             <a:endParaRPr lang="tr-TR"/>
           </a:p>
@@ -3431,7 +3589,7 @@
           <a:p>
             <a:fld id="{8B42BDD8-1597-4FFD-A740-152FF39E48FC}" type="datetimeFigureOut">
               <a:rPr lang="tr-TR" smtClean="0"/>
-              <a:t>15.5.2015</a:t>
+              <a:t>22.5.2015</a:t>
             </a:fld>
             <a:endParaRPr lang="tr-TR"/>
           </a:p>
@@ -3684,7 +3842,7 @@
           <a:p>
             <a:fld id="{8B42BDD8-1597-4FFD-A740-152FF39E48FC}" type="datetimeFigureOut">
               <a:rPr lang="tr-TR" smtClean="0"/>
-              <a:t>15.5.2015</a:t>
+              <a:t>22.5.2015</a:t>
             </a:fld>
             <a:endParaRPr lang="tr-TR"/>
           </a:p>
@@ -3897,7 +4055,7 @@
           <a:p>
             <a:fld id="{8B42BDD8-1597-4FFD-A740-152FF39E48FC}" type="datetimeFigureOut">
               <a:rPr lang="tr-TR" smtClean="0"/>
-              <a:t>15.5.2015</a:t>
+              <a:t>22.5.2015</a:t>
             </a:fld>
             <a:endParaRPr lang="tr-TR"/>
           </a:p>
@@ -4908,6 +5066,332 @@
 </p:sld>
 </file>
 
+<file path=ppt/slides/slide11.xml><?xml version="1.0" encoding="utf-8"?>
+<p:sld xmlns:a="http://schemas.openxmlformats.org/drawingml/2006/main" xmlns:r="http://schemas.openxmlformats.org/officeDocument/2006/relationships" xmlns:p="http://schemas.openxmlformats.org/presentationml/2006/main">
+  <p:cSld>
+    <p:spTree>
+      <p:nvGrpSpPr>
+        <p:cNvPr id="1" name=""/>
+        <p:cNvGrpSpPr/>
+        <p:nvPr/>
+      </p:nvGrpSpPr>
+      <p:grpSpPr>
+        <a:xfrm>
+          <a:off x="0" y="0"/>
+          <a:ext cx="0" cy="0"/>
+          <a:chOff x="0" y="0"/>
+          <a:chExt cx="0" cy="0"/>
+        </a:xfrm>
+      </p:grpSpPr>
+      <p:sp>
+        <p:nvSpPr>
+          <p:cNvPr id="3" name="İçerik Yer Tutucusu 2"/>
+          <p:cNvSpPr>
+            <a:spLocks noGrp="1"/>
+          </p:cNvSpPr>
+          <p:nvPr>
+            <p:ph idx="1"/>
+          </p:nvPr>
+        </p:nvSpPr>
+        <p:spPr/>
+        <p:txBody>
+          <a:bodyPr>
+            <a:normAutofit/>
+          </a:bodyPr>
+          <a:lstStyle/>
+          <a:p>
+            <a:pPr marL="0" indent="0">
+              <a:buNone/>
+            </a:pPr>
+            <a:r>
+              <a:rPr lang="tr-TR" sz="4400" dirty="0" smtClean="0"/>
+              <a:t>_</a:t>
+            </a:r>
+            <a:r>
+              <a:rPr lang="tr-TR" sz="4400" dirty="0" err="1" smtClean="0"/>
+              <a:t>Layout.cshtml</a:t>
+            </a:r>
+            <a:endParaRPr lang="tr-TR" sz="4400" dirty="0" smtClean="0"/>
+          </a:p>
+          <a:p>
+            <a:pPr marL="0" indent="0">
+              <a:buNone/>
+            </a:pPr>
+            <a:r>
+              <a:rPr lang="tr-TR" sz="4400" dirty="0"/>
+              <a:t>_</a:t>
+            </a:r>
+            <a:r>
+              <a:rPr lang="tr-TR" sz="4400" dirty="0" err="1" smtClean="0"/>
+              <a:t>Layout.</a:t>
+            </a:r>
+            <a:r>
+              <a:rPr lang="tr-TR" sz="4400" dirty="0" err="1" smtClean="0">
+                <a:solidFill>
+                  <a:srgbClr val="C00000"/>
+                </a:solidFill>
+              </a:rPr>
+              <a:t>Mobile</a:t>
+            </a:r>
+            <a:r>
+              <a:rPr lang="tr-TR" sz="4400" dirty="0" err="1" smtClean="0"/>
+              <a:t>.cshtml</a:t>
+            </a:r>
+            <a:endParaRPr lang="tr-TR" sz="4400" dirty="0" smtClean="0"/>
+          </a:p>
+          <a:p>
+            <a:pPr marL="0" indent="0">
+              <a:buNone/>
+            </a:pPr>
+            <a:endParaRPr lang="tr-TR" sz="4400" dirty="0" smtClean="0"/>
+          </a:p>
+          <a:p>
+            <a:pPr marL="0" indent="0">
+              <a:buNone/>
+            </a:pPr>
+            <a:r>
+              <a:rPr lang="tr-TR" sz="4400" dirty="0" err="1" smtClean="0"/>
+              <a:t>Index.cshtml</a:t>
+            </a:r>
+            <a:endParaRPr lang="tr-TR" sz="4400" dirty="0"/>
+          </a:p>
+          <a:p>
+            <a:pPr marL="0" indent="0">
+              <a:buNone/>
+            </a:pPr>
+            <a:r>
+              <a:rPr lang="tr-TR" sz="4400" dirty="0" err="1"/>
+              <a:t>Index</a:t>
+            </a:r>
+            <a:r>
+              <a:rPr lang="tr-TR" sz="4400" dirty="0" err="1" smtClean="0"/>
+              <a:t>.</a:t>
+            </a:r>
+            <a:r>
+              <a:rPr lang="tr-TR" sz="4400" dirty="0" err="1" smtClean="0">
+                <a:solidFill>
+                  <a:srgbClr val="C00000"/>
+                </a:solidFill>
+              </a:rPr>
+              <a:t>Mobile</a:t>
+            </a:r>
+            <a:r>
+              <a:rPr lang="tr-TR" sz="4400" dirty="0" err="1" smtClean="0"/>
+              <a:t>.cshtml</a:t>
+            </a:r>
+            <a:endParaRPr lang="tr-TR" sz="4400" dirty="0"/>
+          </a:p>
+          <a:p>
+            <a:pPr marL="0" indent="0">
+              <a:buNone/>
+            </a:pPr>
+            <a:endParaRPr lang="tr-TR" sz="4400" dirty="0"/>
+          </a:p>
+          <a:p>
+            <a:pPr marL="0" indent="0">
+              <a:buNone/>
+            </a:pPr>
+            <a:endParaRPr lang="tr-TR" sz="4400" dirty="0" smtClean="0"/>
+          </a:p>
+        </p:txBody>
+      </p:sp>
+      <p:sp>
+        <p:nvSpPr>
+          <p:cNvPr id="4" name="Başlık 1"/>
+          <p:cNvSpPr txBox="1">
+            <a:spLocks/>
+          </p:cNvSpPr>
+          <p:nvPr/>
+        </p:nvSpPr>
+        <p:spPr>
+          <a:xfrm>
+            <a:off x="467544" y="188640"/>
+            <a:ext cx="8229600" cy="1143000"/>
+          </a:xfrm>
+          <a:prstGeom prst="rect">
+            <a:avLst/>
+          </a:prstGeom>
+        </p:spPr>
+        <p:txBody>
+          <a:bodyPr vert="horz" lIns="91440" tIns="45720" rIns="91440" bIns="45720" rtlCol="0" anchor="ctr">
+            <a:normAutofit fontScale="92500" lnSpcReduction="20000"/>
+          </a:bodyPr>
+          <a:lstStyle>
+            <a:lvl1pPr algn="ctr" defTabSz="914400" rtl="0" eaLnBrk="1" latinLnBrk="0" hangingPunct="1">
+              <a:spcBef>
+                <a:spcPct val="0"/>
+              </a:spcBef>
+              <a:buNone/>
+              <a:defRPr sz="4400" kern="1200">
+                <a:solidFill>
+                  <a:schemeClr val="tx1"/>
+                </a:solidFill>
+                <a:latin typeface="+mj-lt"/>
+                <a:ea typeface="+mj-ea"/>
+                <a:cs typeface="+mj-cs"/>
+              </a:defRPr>
+            </a:lvl1pPr>
+          </a:lstStyle>
+          <a:p>
+            <a:r>
+              <a:rPr lang="tr-TR" dirty="0" smtClean="0"/>
+              <a:t>Sayfa düzeni yönetimi</a:t>
+            </a:r>
+          </a:p>
+          <a:p>
+            <a:r>
+              <a:rPr lang="tr-TR" dirty="0" smtClean="0"/>
+              <a:t>otomatik yerleşim değiştirme</a:t>
+            </a:r>
+            <a:endParaRPr lang="tr-TR" dirty="0"/>
+          </a:p>
+        </p:txBody>
+      </p:sp>
+    </p:spTree>
+    <p:extLst>
+      <p:ext uri="{BB962C8B-B14F-4D97-AF65-F5344CB8AC3E}">
+        <p14:creationId xmlns:p14="http://schemas.microsoft.com/office/powerpoint/2010/main" val="1945808583"/>
+      </p:ext>
+    </p:extLst>
+  </p:cSld>
+  <p:clrMapOvr>
+    <a:masterClrMapping/>
+  </p:clrMapOvr>
+</p:sld>
+</file>
+
+<file path=ppt/slides/slide12.xml><?xml version="1.0" encoding="utf-8"?>
+<p:sld xmlns:a="http://schemas.openxmlformats.org/drawingml/2006/main" xmlns:r="http://schemas.openxmlformats.org/officeDocument/2006/relationships" xmlns:p="http://schemas.openxmlformats.org/presentationml/2006/main">
+  <p:cSld>
+    <p:spTree>
+      <p:nvGrpSpPr>
+        <p:cNvPr id="1" name=""/>
+        <p:cNvGrpSpPr/>
+        <p:nvPr/>
+      </p:nvGrpSpPr>
+      <p:grpSpPr>
+        <a:xfrm>
+          <a:off x="0" y="0"/>
+          <a:ext cx="0" cy="0"/>
+          <a:chOff x="0" y="0"/>
+          <a:chExt cx="0" cy="0"/>
+        </a:xfrm>
+      </p:grpSpPr>
+      <p:sp>
+        <p:nvSpPr>
+          <p:cNvPr id="3" name="İçerik Yer Tutucusu 2"/>
+          <p:cNvSpPr>
+            <a:spLocks noGrp="1"/>
+          </p:cNvSpPr>
+          <p:nvPr>
+            <p:ph idx="1"/>
+          </p:nvPr>
+        </p:nvSpPr>
+        <p:spPr/>
+        <p:txBody>
+          <a:bodyPr>
+            <a:normAutofit/>
+          </a:bodyPr>
+          <a:lstStyle/>
+          <a:p>
+            <a:pPr marL="0" indent="0">
+              <a:buNone/>
+            </a:pPr>
+            <a:r>
+              <a:rPr lang="tr-TR" sz="4400" dirty="0" err="1">
+                <a:latin typeface="Consolas" panose="020B0609020204030204" pitchFamily="49" charset="0"/>
+                <a:cs typeface="Consolas" panose="020B0609020204030204" pitchFamily="49" charset="0"/>
+              </a:rPr>
+              <a:t>DisplayModeProvider</a:t>
+            </a:r>
+            <a:endParaRPr lang="tr-TR" sz="4400" dirty="0" smtClean="0">
+              <a:latin typeface="Consolas" panose="020B0609020204030204" pitchFamily="49" charset="0"/>
+              <a:cs typeface="Consolas" panose="020B0609020204030204" pitchFamily="49" charset="0"/>
+            </a:endParaRPr>
+          </a:p>
+          <a:p>
+            <a:pPr marL="0" indent="0">
+              <a:buNone/>
+            </a:pPr>
+            <a:endParaRPr lang="tr-TR" sz="4400" dirty="0"/>
+          </a:p>
+          <a:p>
+            <a:pPr marL="0" indent="0">
+              <a:buNone/>
+            </a:pPr>
+            <a:endParaRPr lang="tr-TR" sz="4400" dirty="0" smtClean="0"/>
+          </a:p>
+        </p:txBody>
+      </p:sp>
+      <p:sp>
+        <p:nvSpPr>
+          <p:cNvPr id="4" name="Başlık 1"/>
+          <p:cNvSpPr txBox="1">
+            <a:spLocks/>
+          </p:cNvSpPr>
+          <p:nvPr/>
+        </p:nvSpPr>
+        <p:spPr>
+          <a:xfrm>
+            <a:off x="467544" y="188640"/>
+            <a:ext cx="8229600" cy="1143000"/>
+          </a:xfrm>
+          <a:prstGeom prst="rect">
+            <a:avLst/>
+          </a:prstGeom>
+        </p:spPr>
+        <p:txBody>
+          <a:bodyPr vert="horz" lIns="91440" tIns="45720" rIns="91440" bIns="45720" rtlCol="0" anchor="ctr">
+            <a:normAutofit fontScale="92500" lnSpcReduction="20000"/>
+          </a:bodyPr>
+          <a:lstStyle>
+            <a:lvl1pPr algn="ctr" defTabSz="914400" rtl="0" eaLnBrk="1" latinLnBrk="0" hangingPunct="1">
+              <a:spcBef>
+                <a:spcPct val="0"/>
+              </a:spcBef>
+              <a:buNone/>
+              <a:defRPr sz="4400" kern="1200">
+                <a:solidFill>
+                  <a:schemeClr val="tx1"/>
+                </a:solidFill>
+                <a:latin typeface="+mj-lt"/>
+                <a:ea typeface="+mj-ea"/>
+                <a:cs typeface="+mj-cs"/>
+              </a:defRPr>
+            </a:lvl1pPr>
+          </a:lstStyle>
+          <a:p>
+            <a:r>
+              <a:rPr lang="tr-TR" dirty="0" smtClean="0"/>
+              <a:t>Sayfa düzeni yönetimi</a:t>
+            </a:r>
+          </a:p>
+          <a:p>
+            <a:r>
+              <a:rPr lang="tr-TR" dirty="0" smtClean="0"/>
+              <a:t>Görünüm Kipleri - </a:t>
+            </a:r>
+            <a:r>
+              <a:rPr lang="tr-TR" b="1" dirty="0" err="1" smtClean="0"/>
+              <a:t>DisplayModes</a:t>
+            </a:r>
+            <a:endParaRPr lang="tr-TR" b="1" dirty="0"/>
+          </a:p>
+        </p:txBody>
+      </p:sp>
+    </p:spTree>
+    <p:extLst>
+      <p:ext uri="{BB962C8B-B14F-4D97-AF65-F5344CB8AC3E}">
+        <p14:creationId xmlns:p14="http://schemas.microsoft.com/office/powerpoint/2010/main" val="3389795977"/>
+      </p:ext>
+    </p:extLst>
+  </p:cSld>
+  <p:clrMapOvr>
+    <a:masterClrMapping/>
+  </p:clrMapOvr>
+</p:sld>
+</file>
+
 <file path=ppt/slides/slide2.xml><?xml version="1.0" encoding="utf-8"?>
 <p:sld xmlns:a="http://schemas.openxmlformats.org/drawingml/2006/main" xmlns:r="http://schemas.openxmlformats.org/officeDocument/2006/relationships" xmlns:p="http://schemas.openxmlformats.org/presentationml/2006/main">
   <p:cSld>
@@ -7986,11 +8470,7 @@
           <a:p>
             <a:r>
               <a:rPr lang="tr-TR" sz="2800" dirty="0" smtClean="0"/>
-              <a:t>Doküman Nesne </a:t>
-            </a:r>
-            <a:r>
-              <a:rPr lang="tr-TR" sz="2800" dirty="0" smtClean="0"/>
-              <a:t>Modeli - </a:t>
+              <a:t>Doküman Nesne Modeli - </a:t>
             </a:r>
             <a:r>
               <a:rPr lang="tr-TR" sz="2800" b="1" dirty="0" err="1" smtClean="0"/>
@@ -7998,15 +8478,7 @@
             </a:r>
             <a:r>
               <a:rPr lang="tr-TR" sz="2800" b="1" dirty="0" smtClean="0"/>
-              <a:t> </a:t>
-            </a:r>
-            <a:r>
-              <a:rPr lang="tr-TR" sz="2800" b="1" dirty="0" smtClean="0"/>
-              <a:t>Object </a:t>
-            </a:r>
-            <a:r>
-              <a:rPr lang="tr-TR" sz="2800" b="1" dirty="0" smtClean="0"/>
-              <a:t>Model</a:t>
+              <a:t> Object Model</a:t>
             </a:r>
             <a:br>
               <a:rPr lang="tr-TR" sz="2800" b="1" dirty="0" smtClean="0"/>
@@ -8081,11 +8553,7 @@
           <a:p>
             <a:r>
               <a:rPr lang="tr-TR" sz="2800" dirty="0" smtClean="0"/>
-              <a:t>Doküman Nesne </a:t>
-            </a:r>
-            <a:r>
-              <a:rPr lang="tr-TR" sz="2800" dirty="0" smtClean="0"/>
-              <a:t>Modeli - </a:t>
+              <a:t>Doküman Nesne Modeli - </a:t>
             </a:r>
             <a:r>
               <a:rPr lang="tr-TR" sz="2800" b="1" dirty="0" err="1" smtClean="0"/>
@@ -8093,15 +8561,7 @@
             </a:r>
             <a:r>
               <a:rPr lang="tr-TR" sz="2800" b="1" dirty="0" smtClean="0"/>
-              <a:t> </a:t>
-            </a:r>
-            <a:r>
-              <a:rPr lang="tr-TR" sz="2800" b="1" dirty="0" smtClean="0"/>
-              <a:t>Object </a:t>
-            </a:r>
-            <a:r>
-              <a:rPr lang="tr-TR" sz="2800" b="1" dirty="0" smtClean="0"/>
-              <a:t>Model</a:t>
+              <a:t> Object Model</a:t>
             </a:r>
             <a:br>
               <a:rPr lang="tr-TR" sz="2800" b="1" dirty="0" smtClean="0"/>
@@ -8360,11 +8820,7 @@
           <a:p>
             <a:r>
               <a:rPr lang="tr-TR" sz="2800" dirty="0" smtClean="0"/>
-              <a:t>Doküman Nesne </a:t>
-            </a:r>
-            <a:r>
-              <a:rPr lang="tr-TR" sz="2800" dirty="0" smtClean="0"/>
-              <a:t>Modeli - </a:t>
+              <a:t>Doküman Nesne Modeli - </a:t>
             </a:r>
             <a:r>
               <a:rPr lang="tr-TR" sz="2800" b="1" dirty="0" err="1" smtClean="0"/>
@@ -8372,15 +8828,7 @@
             </a:r>
             <a:r>
               <a:rPr lang="tr-TR" sz="2800" b="1" dirty="0" smtClean="0"/>
-              <a:t> </a:t>
-            </a:r>
-            <a:r>
-              <a:rPr lang="tr-TR" sz="2800" b="1" dirty="0" smtClean="0"/>
-              <a:t>Object </a:t>
-            </a:r>
-            <a:r>
-              <a:rPr lang="tr-TR" sz="2800" b="1" dirty="0" smtClean="0"/>
-              <a:t>Model</a:t>
+              <a:t> Object Model</a:t>
             </a:r>
             <a:br>
               <a:rPr lang="tr-TR" sz="2800" b="1" dirty="0" smtClean="0"/>
@@ -8534,13 +8982,6 @@
               </a:rPr>
               <a:t>&gt;</a:t>
             </a:r>
-            <a:r>
-              <a:rPr lang="tr-TR" sz="2600" dirty="0">
-                <a:latin typeface="Consolas" panose="020B0609020204030204" pitchFamily="49" charset="0"/>
-                <a:cs typeface="Consolas" panose="020B0609020204030204" pitchFamily="49" charset="0"/>
-              </a:rPr>
-              <a:t/>
-            </a:r>
             <a:br>
               <a:rPr lang="tr-TR" sz="2600" dirty="0">
                 <a:latin typeface="Consolas" panose="020B0609020204030204" pitchFamily="49" charset="0"/>
@@ -8697,13 +9138,6 @@
               </a:rPr>
               <a:t>";</a:t>
             </a:r>
-            <a:r>
-              <a:rPr lang="tr-TR" sz="2600" dirty="0">
-                <a:latin typeface="Consolas" panose="020B0609020204030204" pitchFamily="49" charset="0"/>
-                <a:cs typeface="Consolas" panose="020B0609020204030204" pitchFamily="49" charset="0"/>
-              </a:rPr>
-              <a:t/>
-            </a:r>
             <a:br>
               <a:rPr lang="tr-TR" sz="2600" dirty="0">
                 <a:latin typeface="Consolas" panose="020B0609020204030204" pitchFamily="49" charset="0"/>
@@ -8758,10 +9192,6 @@
               </a:rPr>
               <a:t>&gt;</a:t>
             </a:r>
-            <a:endParaRPr lang="tr-TR" sz="2600" dirty="0">
-              <a:latin typeface="Consolas" panose="020B0609020204030204" pitchFamily="49" charset="0"/>
-              <a:cs typeface="Consolas" panose="020B0609020204030204" pitchFamily="49" charset="0"/>
-            </a:endParaRPr>
           </a:p>
         </p:txBody>
       </p:sp>
